--- a/data/Dokumente/Präsentation.pptx
+++ b/data/Dokumente/Präsentation.pptx
@@ -6,6 +6,7 @@
   </p:sldMasterIdLst>
   <p:sldIdLst>
     <p:sldId id="256" r:id="rId2"/>
+    <p:sldId id="257" r:id="rId3"/>
   </p:sldIdLst>
   <p:sldSz cx="12192000" cy="6858000"/>
   <p:notesSz cx="6858000" cy="9144000"/>
@@ -104,6 +105,11 @@
       </a:defRPr>
     </a:lvl9pPr>
   </p:defaultTextStyle>
+  <p:extLst>
+    <p:ext uri="{EFAFB233-063F-42B5-8137-9DF3F51BA10A}">
+      <p15:sldGuideLst xmlns:p15="http://schemas.microsoft.com/office/powerpoint/2012/main"/>
+    </p:ext>
+  </p:extLst>
 </p:presentation>
 </file>
 
@@ -292,7 +298,7 @@
           <a:p>
             <a:fld id="{4AAD347D-5ACD-4C99-B74B-A9C85AD731AF}" type="datetimeFigureOut">
               <a:rPr lang="en-US" smtClean="0"/>
-              <a:t>9/1/2015</a:t>
+              <a:t>9/4/2015</a:t>
             </a:fld>
             <a:endParaRPr lang="en-US" dirty="0"/>
           </a:p>
@@ -574,7 +580,7 @@
           <a:p>
             <a:fld id="{4509A250-FF31-4206-8172-F9D3106AACB1}" type="datetimeFigureOut">
               <a:rPr lang="en-US" smtClean="0"/>
-              <a:t>9/1/2015</a:t>
+              <a:t>9/4/2015</a:t>
             </a:fld>
             <a:endParaRPr lang="en-US" dirty="0"/>
           </a:p>
@@ -775,7 +781,7 @@
           <a:p>
             <a:fld id="{4509A250-FF31-4206-8172-F9D3106AACB1}" type="datetimeFigureOut">
               <a:rPr lang="en-US" smtClean="0"/>
-              <a:t>9/1/2015</a:t>
+              <a:t>9/4/2015</a:t>
             </a:fld>
             <a:endParaRPr lang="en-US" dirty="0"/>
           </a:p>
@@ -1054,7 +1060,7 @@
           <a:p>
             <a:fld id="{4509A250-FF31-4206-8172-F9D3106AACB1}" type="datetimeFigureOut">
               <a:rPr lang="en-US" smtClean="0"/>
-              <a:t>9/1/2015</a:t>
+              <a:t>9/4/2015</a:t>
             </a:fld>
             <a:endParaRPr lang="en-US" dirty="0"/>
           </a:p>
@@ -1409,7 +1415,7 @@
           <a:p>
             <a:fld id="{4509A250-FF31-4206-8172-F9D3106AACB1}" type="datetimeFigureOut">
               <a:rPr lang="en-US" smtClean="0"/>
-              <a:t>9/1/2015</a:t>
+              <a:t>9/4/2015</a:t>
             </a:fld>
             <a:endParaRPr lang="en-US" dirty="0"/>
           </a:p>
@@ -2036,7 +2042,7 @@
           <a:p>
             <a:fld id="{4509A250-FF31-4206-8172-F9D3106AACB1}" type="datetimeFigureOut">
               <a:rPr lang="en-US" smtClean="0"/>
-              <a:t>9/1/2015</a:t>
+              <a:t>9/4/2015</a:t>
             </a:fld>
             <a:endParaRPr lang="en-US" dirty="0"/>
           </a:p>
@@ -2900,7 +2906,7 @@
           <a:p>
             <a:fld id="{4509A250-FF31-4206-8172-F9D3106AACB1}" type="datetimeFigureOut">
               <a:rPr lang="en-US" smtClean="0"/>
-              <a:t>9/1/2015</a:t>
+              <a:t>9/4/2015</a:t>
             </a:fld>
             <a:endParaRPr lang="en-US" dirty="0"/>
           </a:p>
@@ -3077,7 +3083,7 @@
           <a:p>
             <a:fld id="{4509A250-FF31-4206-8172-F9D3106AACB1}" type="datetimeFigureOut">
               <a:rPr lang="en-US" smtClean="0"/>
-              <a:t>9/1/2015</a:t>
+              <a:t>9/4/2015</a:t>
             </a:fld>
             <a:endParaRPr lang="en-US" dirty="0"/>
           </a:p>
@@ -3264,7 +3270,7 @@
           <a:p>
             <a:fld id="{4509A250-FF31-4206-8172-F9D3106AACB1}" type="datetimeFigureOut">
               <a:rPr lang="en-US" smtClean="0"/>
-              <a:t>9/1/2015</a:t>
+              <a:t>9/4/2015</a:t>
             </a:fld>
             <a:endParaRPr lang="en-US" dirty="0"/>
           </a:p>
@@ -3441,7 +3447,7 @@
           <a:p>
             <a:fld id="{4509A250-FF31-4206-8172-F9D3106AACB1}" type="datetimeFigureOut">
               <a:rPr lang="en-US" smtClean="0"/>
-              <a:t>9/1/2015</a:t>
+              <a:t>9/4/2015</a:t>
             </a:fld>
             <a:endParaRPr lang="en-US" dirty="0"/>
           </a:p>
@@ -3694,7 +3700,7 @@
           <a:p>
             <a:fld id="{4509A250-FF31-4206-8172-F9D3106AACB1}" type="datetimeFigureOut">
               <a:rPr lang="en-US" smtClean="0"/>
-              <a:t>9/1/2015</a:t>
+              <a:t>9/4/2015</a:t>
             </a:fld>
             <a:endParaRPr lang="en-US" dirty="0"/>
           </a:p>
@@ -3993,7 +3999,7 @@
           <a:p>
             <a:fld id="{4509A250-FF31-4206-8172-F9D3106AACB1}" type="datetimeFigureOut">
               <a:rPr lang="en-US" smtClean="0"/>
-              <a:t>9/1/2015</a:t>
+              <a:t>9/4/2015</a:t>
             </a:fld>
             <a:endParaRPr lang="en-US" dirty="0"/>
           </a:p>
@@ -4442,7 +4448,7 @@
           <a:p>
             <a:fld id="{4509A250-FF31-4206-8172-F9D3106AACB1}" type="datetimeFigureOut">
               <a:rPr lang="en-US" smtClean="0"/>
-              <a:t>9/1/2015</a:t>
+              <a:t>9/4/2015</a:t>
             </a:fld>
             <a:endParaRPr lang="en-US" dirty="0"/>
           </a:p>
@@ -4567,7 +4573,7 @@
           <a:p>
             <a:fld id="{4509A250-FF31-4206-8172-F9D3106AACB1}" type="datetimeFigureOut">
               <a:rPr lang="en-US" smtClean="0"/>
-              <a:t>9/1/2015</a:t>
+              <a:t>9/4/2015</a:t>
             </a:fld>
             <a:endParaRPr lang="en-US" dirty="0"/>
           </a:p>
@@ -4669,7 +4675,7 @@
           <a:p>
             <a:fld id="{4509A250-FF31-4206-8172-F9D3106AACB1}" type="datetimeFigureOut">
               <a:rPr lang="en-US" smtClean="0"/>
-              <a:t>9/1/2015</a:t>
+              <a:t>9/4/2015</a:t>
             </a:fld>
             <a:endParaRPr lang="en-US" dirty="0"/>
           </a:p>
@@ -4955,7 +4961,7 @@
           <a:p>
             <a:fld id="{4509A250-FF31-4206-8172-F9D3106AACB1}" type="datetimeFigureOut">
               <a:rPr lang="en-US" smtClean="0"/>
-              <a:t>9/1/2015</a:t>
+              <a:t>9/4/2015</a:t>
             </a:fld>
             <a:endParaRPr lang="en-US" dirty="0"/>
           </a:p>
@@ -5237,7 +5243,7 @@
           <a:p>
             <a:fld id="{4509A250-FF31-4206-8172-F9D3106AACB1}" type="datetimeFigureOut">
               <a:rPr lang="en-US" smtClean="0"/>
-              <a:t>9/1/2015</a:t>
+              <a:t>9/4/2015</a:t>
             </a:fld>
             <a:endParaRPr lang="en-US" dirty="0"/>
           </a:p>
@@ -5673,7 +5679,7 @@
           <a:p>
             <a:fld id="{4509A250-FF31-4206-8172-F9D3106AACB1}" type="datetimeFigureOut">
               <a:rPr lang="en-US" smtClean="0"/>
-              <a:t>9/1/2015</a:t>
+              <a:t>9/4/2015</a:t>
             </a:fld>
             <a:endParaRPr lang="en-US" dirty="0"/>
           </a:p>
@@ -6270,8 +6276,8 @@
         </p:blipFill>
         <p:spPr>
           <a:xfrm>
-            <a:off x="1166006" y="1785668"/>
-            <a:ext cx="8740861" cy="2913621"/>
+            <a:off x="1537492" y="1785668"/>
+            <a:ext cx="7997889" cy="2913621"/>
           </a:xfrm>
           <a:prstGeom prst="rect">
             <a:avLst/>
@@ -6295,6 +6301,1392 @@
       </p:par>
     </p:tnLst>
   </p:timing>
+</p:sld>
+</file>
+
+<file path=ppt/slides/slide2.xml><?xml version="1.0" encoding="utf-8"?>
+<p:sld xmlns:a="http://schemas.openxmlformats.org/drawingml/2006/main" xmlns:r="http://schemas.openxmlformats.org/officeDocument/2006/relationships" xmlns:p="http://schemas.openxmlformats.org/presentationml/2006/main">
+  <p:cSld>
+    <p:spTree>
+      <p:nvGrpSpPr>
+        <p:cNvPr id="1" name=""/>
+        <p:cNvGrpSpPr/>
+        <p:nvPr/>
+      </p:nvGrpSpPr>
+      <p:grpSpPr>
+        <a:xfrm>
+          <a:off x="0" y="0"/>
+          <a:ext cx="0" cy="0"/>
+          <a:chOff x="0" y="0"/>
+          <a:chExt cx="0" cy="0"/>
+        </a:xfrm>
+      </p:grpSpPr>
+      <p:sp>
+        <p:nvSpPr>
+          <p:cNvPr id="74" name="Rechteck 73"/>
+          <p:cNvSpPr/>
+          <p:nvPr/>
+        </p:nvSpPr>
+        <p:spPr>
+          <a:xfrm>
+            <a:off x="221064" y="1316332"/>
+            <a:ext cx="3768131" cy="2176646"/>
+          </a:xfrm>
+          <a:prstGeom prst="rect">
+            <a:avLst/>
+          </a:prstGeom>
+          <a:solidFill>
+            <a:schemeClr val="tx2">
+              <a:lumMod val="25000"/>
+            </a:schemeClr>
+          </a:solidFill>
+          <a:ln w="25400"/>
+        </p:spPr>
+        <p:style>
+          <a:lnRef idx="2">
+            <a:schemeClr val="accent1">
+              <a:shade val="50000"/>
+            </a:schemeClr>
+          </a:lnRef>
+          <a:fillRef idx="1">
+            <a:schemeClr val="accent1"/>
+          </a:fillRef>
+          <a:effectRef idx="0">
+            <a:schemeClr val="accent1"/>
+          </a:effectRef>
+          <a:fontRef idx="minor">
+            <a:schemeClr val="lt1"/>
+          </a:fontRef>
+        </p:style>
+        <p:txBody>
+          <a:bodyPr rtlCol="0" anchor="ctr"/>
+          <a:lstStyle/>
+          <a:p>
+            <a:pPr algn="ctr"/>
+            <a:endParaRPr lang="de-DE"/>
+          </a:p>
+        </p:txBody>
+      </p:sp>
+      <p:sp>
+        <p:nvSpPr>
+          <p:cNvPr id="69" name="Rechteck 68"/>
+          <p:cNvSpPr/>
+          <p:nvPr/>
+        </p:nvSpPr>
+        <p:spPr>
+          <a:xfrm>
+            <a:off x="5289481" y="2973698"/>
+            <a:ext cx="2301072" cy="2500144"/>
+          </a:xfrm>
+          <a:prstGeom prst="rect">
+            <a:avLst/>
+          </a:prstGeom>
+          <a:solidFill>
+            <a:schemeClr val="tx2">
+              <a:lumMod val="25000"/>
+            </a:schemeClr>
+          </a:solidFill>
+          <a:ln w="25400"/>
+        </p:spPr>
+        <p:style>
+          <a:lnRef idx="2">
+            <a:schemeClr val="accent1">
+              <a:shade val="50000"/>
+            </a:schemeClr>
+          </a:lnRef>
+          <a:fillRef idx="1">
+            <a:schemeClr val="accent1"/>
+          </a:fillRef>
+          <a:effectRef idx="0">
+            <a:schemeClr val="accent1"/>
+          </a:effectRef>
+          <a:fontRef idx="minor">
+            <a:schemeClr val="lt1"/>
+          </a:fontRef>
+        </p:style>
+        <p:txBody>
+          <a:bodyPr rtlCol="0" anchor="ctr"/>
+          <a:lstStyle/>
+          <a:p>
+            <a:pPr algn="ctr"/>
+            <a:endParaRPr lang="de-DE"/>
+          </a:p>
+        </p:txBody>
+      </p:sp>
+      <p:sp>
+        <p:nvSpPr>
+          <p:cNvPr id="2" name="Titel 1"/>
+          <p:cNvSpPr>
+            <a:spLocks noGrp="1"/>
+          </p:cNvSpPr>
+          <p:nvPr>
+            <p:ph type="title"/>
+          </p:nvPr>
+        </p:nvSpPr>
+        <p:spPr/>
+        <p:txBody>
+          <a:bodyPr/>
+          <a:lstStyle/>
+          <a:p>
+            <a:r>
+              <a:rPr lang="de-DE" dirty="0" smtClean="0"/>
+              <a:t>Eingesetzte </a:t>
+            </a:r>
+            <a:r>
+              <a:rPr lang="de-DE" dirty="0"/>
+              <a:t>T</a:t>
+            </a:r>
+            <a:r>
+              <a:rPr lang="de-DE" dirty="0" smtClean="0"/>
+              <a:t>echnologien</a:t>
+            </a:r>
+            <a:endParaRPr lang="de-DE" dirty="0"/>
+          </a:p>
+        </p:txBody>
+      </p:sp>
+      <p:pic>
+        <p:nvPicPr>
+          <p:cNvPr id="6" name="Grafik 5"/>
+          <p:cNvPicPr>
+            <a:picLocks noChangeAspect="1"/>
+          </p:cNvPicPr>
+          <p:nvPr/>
+        </p:nvPicPr>
+        <p:blipFill>
+          <a:blip r:embed="rId2">
+            <a:extLst>
+              <a:ext uri="{28A0092B-C50C-407E-A947-70E740481C1C}">
+                <a14:useLocalDpi xmlns:a14="http://schemas.microsoft.com/office/drawing/2010/main" val="0"/>
+              </a:ext>
+            </a:extLst>
+          </a:blip>
+          <a:stretch>
+            <a:fillRect/>
+          </a:stretch>
+        </p:blipFill>
+        <p:spPr>
+          <a:xfrm>
+            <a:off x="8483317" y="3997837"/>
+            <a:ext cx="2747013" cy="1482201"/>
+          </a:xfrm>
+          <a:prstGeom prst="rect">
+            <a:avLst/>
+          </a:prstGeom>
+          <a:solidFill>
+            <a:schemeClr val="tx1"/>
+          </a:solidFill>
+          <a:effectLst>
+            <a:outerShdw blurRad="50800" dist="38100" dir="2700000" algn="tl" rotWithShape="0">
+              <a:prstClr val="black">
+                <a:alpha val="40000"/>
+              </a:prstClr>
+            </a:outerShdw>
+          </a:effectLst>
+        </p:spPr>
+      </p:pic>
+      <p:pic>
+        <p:nvPicPr>
+          <p:cNvPr id="9" name="Grafik 8"/>
+          <p:cNvPicPr>
+            <a:picLocks noChangeAspect="1"/>
+          </p:cNvPicPr>
+          <p:nvPr/>
+        </p:nvPicPr>
+        <p:blipFill>
+          <a:blip r:embed="rId3">
+            <a:extLst>
+              <a:ext uri="{28A0092B-C50C-407E-A947-70E740481C1C}">
+                <a14:useLocalDpi xmlns:a14="http://schemas.microsoft.com/office/drawing/2010/main" val="0"/>
+              </a:ext>
+            </a:extLst>
+          </a:blip>
+          <a:stretch>
+            <a:fillRect/>
+          </a:stretch>
+        </p:blipFill>
+        <p:spPr>
+          <a:xfrm>
+            <a:off x="314756" y="2738480"/>
+            <a:ext cx="973153" cy="263127"/>
+          </a:xfrm>
+          <a:prstGeom prst="rect">
+            <a:avLst/>
+          </a:prstGeom>
+          <a:solidFill>
+            <a:schemeClr val="tx1"/>
+          </a:solidFill>
+          <a:effectLst>
+            <a:outerShdw blurRad="50800" dist="38100" dir="2700000" algn="tl" rotWithShape="0">
+              <a:prstClr val="black">
+                <a:alpha val="40000"/>
+              </a:prstClr>
+            </a:outerShdw>
+          </a:effectLst>
+        </p:spPr>
+      </p:pic>
+      <p:pic>
+        <p:nvPicPr>
+          <p:cNvPr id="10" name="Grafik 9"/>
+          <p:cNvPicPr>
+            <a:picLocks noChangeAspect="1"/>
+          </p:cNvPicPr>
+          <p:nvPr/>
+        </p:nvPicPr>
+        <p:blipFill>
+          <a:blip r:embed="rId4">
+            <a:extLst>
+              <a:ext uri="{28A0092B-C50C-407E-A947-70E740481C1C}">
+                <a14:useLocalDpi xmlns:a14="http://schemas.microsoft.com/office/drawing/2010/main" val="0"/>
+              </a:ext>
+            </a:extLst>
+          </a:blip>
+          <a:stretch>
+            <a:fillRect/>
+          </a:stretch>
+        </p:blipFill>
+        <p:spPr>
+          <a:xfrm>
+            <a:off x="1299301" y="3966450"/>
+            <a:ext cx="1371600" cy="319088"/>
+          </a:xfrm>
+          <a:prstGeom prst="rect">
+            <a:avLst/>
+          </a:prstGeom>
+          <a:solidFill>
+            <a:schemeClr val="tx1"/>
+          </a:solidFill>
+          <a:effectLst>
+            <a:outerShdw blurRad="50800" dist="38100" dir="2700000" algn="tl" rotWithShape="0">
+              <a:prstClr val="black">
+                <a:alpha val="40000"/>
+              </a:prstClr>
+            </a:outerShdw>
+          </a:effectLst>
+        </p:spPr>
+      </p:pic>
+      <p:pic>
+        <p:nvPicPr>
+          <p:cNvPr id="11" name="Grafik 10"/>
+          <p:cNvPicPr>
+            <a:picLocks noChangeAspect="1"/>
+          </p:cNvPicPr>
+          <p:nvPr/>
+        </p:nvPicPr>
+        <p:blipFill>
+          <a:blip r:embed="rId5">
+            <a:extLst>
+              <a:ext uri="{28A0092B-C50C-407E-A947-70E740481C1C}">
+                <a14:useLocalDpi xmlns:a14="http://schemas.microsoft.com/office/drawing/2010/main" val="0"/>
+              </a:ext>
+            </a:extLst>
+          </a:blip>
+          <a:stretch>
+            <a:fillRect/>
+          </a:stretch>
+        </p:blipFill>
+        <p:spPr>
+          <a:xfrm>
+            <a:off x="1638210" y="1857199"/>
+            <a:ext cx="693782" cy="609770"/>
+          </a:xfrm>
+          <a:prstGeom prst="rect">
+            <a:avLst/>
+          </a:prstGeom>
+        </p:spPr>
+      </p:pic>
+      <p:pic>
+        <p:nvPicPr>
+          <p:cNvPr id="12" name="Grafik 11"/>
+          <p:cNvPicPr>
+            <a:picLocks noChangeAspect="1"/>
+          </p:cNvPicPr>
+          <p:nvPr/>
+        </p:nvPicPr>
+        <p:blipFill>
+          <a:blip r:embed="rId6">
+            <a:extLst>
+              <a:ext uri="{28A0092B-C50C-407E-A947-70E740481C1C}">
+                <a14:useLocalDpi xmlns:a14="http://schemas.microsoft.com/office/drawing/2010/main" val="0"/>
+              </a:ext>
+            </a:extLst>
+          </a:blip>
+          <a:stretch>
+            <a:fillRect/>
+          </a:stretch>
+        </p:blipFill>
+        <p:spPr>
+          <a:xfrm>
+            <a:off x="2943791" y="2421966"/>
+            <a:ext cx="896156" cy="896156"/>
+          </a:xfrm>
+          <a:prstGeom prst="rect">
+            <a:avLst/>
+          </a:prstGeom>
+        </p:spPr>
+      </p:pic>
+      <p:pic>
+        <p:nvPicPr>
+          <p:cNvPr id="15" name="Grafik 14"/>
+          <p:cNvPicPr>
+            <a:picLocks noChangeAspect="1"/>
+          </p:cNvPicPr>
+          <p:nvPr/>
+        </p:nvPicPr>
+        <p:blipFill>
+          <a:blip r:embed="rId7">
+            <a:extLst>
+              <a:ext uri="{28A0092B-C50C-407E-A947-70E740481C1C}">
+                <a14:useLocalDpi xmlns:a14="http://schemas.microsoft.com/office/drawing/2010/main" val="0"/>
+              </a:ext>
+            </a:extLst>
+          </a:blip>
+          <a:stretch>
+            <a:fillRect/>
+          </a:stretch>
+        </p:blipFill>
+        <p:spPr>
+          <a:xfrm>
+            <a:off x="1589117" y="2713836"/>
+            <a:ext cx="801154" cy="312419"/>
+          </a:xfrm>
+          <a:prstGeom prst="rect">
+            <a:avLst/>
+          </a:prstGeom>
+        </p:spPr>
+      </p:pic>
+      <p:cxnSp>
+        <p:nvCxnSpPr>
+          <p:cNvPr id="17" name="Gerade Verbindung mit Pfeil 16"/>
+          <p:cNvCxnSpPr>
+            <a:stCxn id="9" idx="3"/>
+            <a:endCxn id="15" idx="1"/>
+          </p:cNvCxnSpPr>
+          <p:nvPr/>
+        </p:nvCxnSpPr>
+        <p:spPr>
+          <a:xfrm>
+            <a:off x="1287909" y="2870044"/>
+            <a:ext cx="301208" cy="2"/>
+          </a:xfrm>
+          <a:prstGeom prst="straightConnector1">
+            <a:avLst/>
+          </a:prstGeom>
+          <a:ln w="15875">
+            <a:solidFill>
+              <a:schemeClr val="tx1"/>
+            </a:solidFill>
+            <a:tailEnd type="triangle" w="lg" len="lg"/>
+          </a:ln>
+        </p:spPr>
+        <p:style>
+          <a:lnRef idx="1">
+            <a:schemeClr val="accent1"/>
+          </a:lnRef>
+          <a:fillRef idx="0">
+            <a:schemeClr val="accent1"/>
+          </a:fillRef>
+          <a:effectRef idx="0">
+            <a:schemeClr val="accent1"/>
+          </a:effectRef>
+          <a:fontRef idx="minor">
+            <a:schemeClr val="tx1"/>
+          </a:fontRef>
+        </p:style>
+      </p:cxnSp>
+      <p:cxnSp>
+        <p:nvCxnSpPr>
+          <p:cNvPr id="18" name="Gerade Verbindung mit Pfeil 17"/>
+          <p:cNvCxnSpPr>
+            <a:stCxn id="15" idx="3"/>
+            <a:endCxn id="12" idx="1"/>
+          </p:cNvCxnSpPr>
+          <p:nvPr/>
+        </p:nvCxnSpPr>
+        <p:spPr>
+          <a:xfrm flipV="1">
+            <a:off x="2390271" y="2870044"/>
+            <a:ext cx="553520" cy="2"/>
+          </a:xfrm>
+          <a:prstGeom prst="straightConnector1">
+            <a:avLst/>
+          </a:prstGeom>
+          <a:ln w="15875">
+            <a:solidFill>
+              <a:schemeClr val="tx1"/>
+            </a:solidFill>
+            <a:tailEnd type="triangle" w="lg" len="lg"/>
+          </a:ln>
+        </p:spPr>
+        <p:style>
+          <a:lnRef idx="1">
+            <a:schemeClr val="accent1"/>
+          </a:lnRef>
+          <a:fillRef idx="0">
+            <a:schemeClr val="accent1"/>
+          </a:fillRef>
+          <a:effectRef idx="0">
+            <a:schemeClr val="accent1"/>
+          </a:effectRef>
+          <a:fontRef idx="minor">
+            <a:schemeClr val="tx1"/>
+          </a:fontRef>
+        </p:style>
+      </p:cxnSp>
+      <p:cxnSp>
+        <p:nvCxnSpPr>
+          <p:cNvPr id="21" name="Gerade Verbindung mit Pfeil 20"/>
+          <p:cNvCxnSpPr>
+            <a:stCxn id="15" idx="2"/>
+            <a:endCxn id="10" idx="0"/>
+          </p:cNvCxnSpPr>
+          <p:nvPr/>
+        </p:nvCxnSpPr>
+        <p:spPr>
+          <a:xfrm flipH="1">
+            <a:off x="1985101" y="3026255"/>
+            <a:ext cx="4593" cy="940195"/>
+          </a:xfrm>
+          <a:prstGeom prst="straightConnector1">
+            <a:avLst/>
+          </a:prstGeom>
+          <a:ln w="15875">
+            <a:solidFill>
+              <a:schemeClr val="tx1"/>
+            </a:solidFill>
+            <a:tailEnd type="triangle" w="lg" len="lg"/>
+          </a:ln>
+        </p:spPr>
+        <p:style>
+          <a:lnRef idx="1">
+            <a:schemeClr val="accent1"/>
+          </a:lnRef>
+          <a:fillRef idx="0">
+            <a:schemeClr val="accent1"/>
+          </a:fillRef>
+          <a:effectRef idx="0">
+            <a:schemeClr val="accent1"/>
+          </a:effectRef>
+          <a:fontRef idx="minor">
+            <a:schemeClr val="tx1"/>
+          </a:fontRef>
+        </p:style>
+      </p:cxnSp>
+      <p:cxnSp>
+        <p:nvCxnSpPr>
+          <p:cNvPr id="27" name="Gerade Verbindung mit Pfeil 26"/>
+          <p:cNvCxnSpPr>
+            <a:stCxn id="15" idx="0"/>
+            <a:endCxn id="11" idx="2"/>
+          </p:cNvCxnSpPr>
+          <p:nvPr/>
+        </p:nvCxnSpPr>
+        <p:spPr>
+          <a:xfrm flipH="1" flipV="1">
+            <a:off x="1985101" y="2466969"/>
+            <a:ext cx="4593" cy="246867"/>
+          </a:xfrm>
+          <a:prstGeom prst="straightConnector1">
+            <a:avLst/>
+          </a:prstGeom>
+          <a:ln w="15875">
+            <a:solidFill>
+              <a:schemeClr val="tx1"/>
+            </a:solidFill>
+            <a:tailEnd type="triangle" w="lg" len="lg"/>
+          </a:ln>
+        </p:spPr>
+        <p:style>
+          <a:lnRef idx="1">
+            <a:schemeClr val="accent1"/>
+          </a:lnRef>
+          <a:fillRef idx="0">
+            <a:schemeClr val="accent1"/>
+          </a:fillRef>
+          <a:effectRef idx="0">
+            <a:schemeClr val="accent1"/>
+          </a:effectRef>
+          <a:fontRef idx="minor">
+            <a:schemeClr val="tx1"/>
+          </a:fontRef>
+        </p:style>
+      </p:cxnSp>
+      <p:pic>
+        <p:nvPicPr>
+          <p:cNvPr id="33" name="Grafik 32"/>
+          <p:cNvPicPr>
+            <a:picLocks noChangeAspect="1"/>
+          </p:cNvPicPr>
+          <p:nvPr/>
+        </p:nvPicPr>
+        <p:blipFill>
+          <a:blip r:embed="rId8">
+            <a:extLst>
+              <a:ext uri="{28A0092B-C50C-407E-A947-70E740481C1C}">
+                <a14:useLocalDpi xmlns:a14="http://schemas.microsoft.com/office/drawing/2010/main" val="0"/>
+              </a:ext>
+            </a:extLst>
+          </a:blip>
+          <a:stretch>
+            <a:fillRect/>
+          </a:stretch>
+        </p:blipFill>
+        <p:spPr>
+          <a:xfrm>
+            <a:off x="1488009" y="4618674"/>
+            <a:ext cx="994183" cy="1256266"/>
+          </a:xfrm>
+          <a:prstGeom prst="rect">
+            <a:avLst/>
+          </a:prstGeom>
+        </p:spPr>
+      </p:pic>
+      <p:cxnSp>
+        <p:nvCxnSpPr>
+          <p:cNvPr id="34" name="Gerade Verbindung mit Pfeil 33"/>
+          <p:cNvCxnSpPr>
+            <a:stCxn id="10" idx="2"/>
+            <a:endCxn id="33" idx="0"/>
+          </p:cNvCxnSpPr>
+          <p:nvPr/>
+        </p:nvCxnSpPr>
+        <p:spPr>
+          <a:xfrm>
+            <a:off x="1985101" y="4285538"/>
+            <a:ext cx="0" cy="333136"/>
+          </a:xfrm>
+          <a:prstGeom prst="straightConnector1">
+            <a:avLst/>
+          </a:prstGeom>
+          <a:ln w="15875">
+            <a:solidFill>
+              <a:schemeClr val="tx1"/>
+            </a:solidFill>
+            <a:tailEnd type="triangle" w="lg" len="lg"/>
+          </a:ln>
+        </p:spPr>
+        <p:style>
+          <a:lnRef idx="1">
+            <a:schemeClr val="accent1"/>
+          </a:lnRef>
+          <a:fillRef idx="0">
+            <a:schemeClr val="accent1"/>
+          </a:fillRef>
+          <a:effectRef idx="0">
+            <a:schemeClr val="accent1"/>
+          </a:effectRef>
+          <a:fontRef idx="minor">
+            <a:schemeClr val="tx1"/>
+          </a:fontRef>
+        </p:style>
+      </p:cxnSp>
+      <p:sp>
+        <p:nvSpPr>
+          <p:cNvPr id="53" name="Rechteck 52"/>
+          <p:cNvSpPr/>
+          <p:nvPr/>
+        </p:nvSpPr>
+        <p:spPr>
+          <a:xfrm>
+            <a:off x="5289481" y="1155561"/>
+            <a:ext cx="2301072" cy="1782846"/>
+          </a:xfrm>
+          <a:prstGeom prst="rect">
+            <a:avLst/>
+          </a:prstGeom>
+          <a:solidFill>
+            <a:schemeClr val="tx2">
+              <a:lumMod val="25000"/>
+            </a:schemeClr>
+          </a:solidFill>
+          <a:ln w="25400"/>
+        </p:spPr>
+        <p:style>
+          <a:lnRef idx="2">
+            <a:schemeClr val="accent1">
+              <a:shade val="50000"/>
+            </a:schemeClr>
+          </a:lnRef>
+          <a:fillRef idx="1">
+            <a:schemeClr val="accent1"/>
+          </a:fillRef>
+          <a:effectRef idx="0">
+            <a:schemeClr val="accent1"/>
+          </a:effectRef>
+          <a:fontRef idx="minor">
+            <a:schemeClr val="lt1"/>
+          </a:fontRef>
+        </p:style>
+        <p:txBody>
+          <a:bodyPr rtlCol="0" anchor="ctr"/>
+          <a:lstStyle/>
+          <a:p>
+            <a:pPr algn="ctr"/>
+            <a:endParaRPr lang="de-DE"/>
+          </a:p>
+        </p:txBody>
+      </p:sp>
+      <p:pic>
+        <p:nvPicPr>
+          <p:cNvPr id="8" name="Grafik 7"/>
+          <p:cNvPicPr>
+            <a:picLocks noChangeAspect="1"/>
+          </p:cNvPicPr>
+          <p:nvPr/>
+        </p:nvPicPr>
+        <p:blipFill>
+          <a:blip r:embed="rId9">
+            <a:extLst>
+              <a:ext uri="{28A0092B-C50C-407E-A947-70E740481C1C}">
+                <a14:useLocalDpi xmlns:a14="http://schemas.microsoft.com/office/drawing/2010/main" val="0"/>
+              </a:ext>
+            </a:extLst>
+          </a:blip>
+          <a:stretch>
+            <a:fillRect/>
+          </a:stretch>
+        </p:blipFill>
+        <p:spPr>
+          <a:xfrm>
+            <a:off x="5499262" y="2291968"/>
+            <a:ext cx="1872709" cy="498491"/>
+          </a:xfrm>
+          <a:prstGeom prst="rect">
+            <a:avLst/>
+          </a:prstGeom>
+          <a:solidFill>
+            <a:schemeClr val="tx1"/>
+          </a:solidFill>
+          <a:effectLst>
+            <a:outerShdw blurRad="50800" dist="38100" dir="2700000" algn="tl" rotWithShape="0">
+              <a:prstClr val="black">
+                <a:alpha val="40000"/>
+              </a:prstClr>
+            </a:outerShdw>
+          </a:effectLst>
+        </p:spPr>
+      </p:pic>
+      <p:pic>
+        <p:nvPicPr>
+          <p:cNvPr id="13" name="Grafik 12"/>
+          <p:cNvPicPr>
+            <a:picLocks noChangeAspect="1"/>
+          </p:cNvPicPr>
+          <p:nvPr/>
+        </p:nvPicPr>
+        <p:blipFill>
+          <a:blip r:embed="rId10">
+            <a:extLst>
+              <a:ext uri="{28A0092B-C50C-407E-A947-70E740481C1C}">
+                <a14:useLocalDpi xmlns:a14="http://schemas.microsoft.com/office/drawing/2010/main" val="0"/>
+              </a:ext>
+            </a:extLst>
+          </a:blip>
+          <a:stretch>
+            <a:fillRect/>
+          </a:stretch>
+        </p:blipFill>
+        <p:spPr>
+          <a:xfrm>
+            <a:off x="5499262" y="3457937"/>
+            <a:ext cx="1872709" cy="494967"/>
+          </a:xfrm>
+          <a:prstGeom prst="rect">
+            <a:avLst/>
+          </a:prstGeom>
+          <a:effectLst>
+            <a:outerShdw blurRad="50800" dist="38100" dir="2700000" algn="tl" rotWithShape="0">
+              <a:prstClr val="black">
+                <a:alpha val="40000"/>
+              </a:prstClr>
+            </a:outerShdw>
+          </a:effectLst>
+        </p:spPr>
+      </p:pic>
+      <p:pic>
+        <p:nvPicPr>
+          <p:cNvPr id="37" name="Grafik 36"/>
+          <p:cNvPicPr>
+            <a:picLocks noChangeAspect="1"/>
+          </p:cNvPicPr>
+          <p:nvPr/>
+        </p:nvPicPr>
+        <p:blipFill>
+          <a:blip r:embed="rId11">
+            <a:extLst>
+              <a:ext uri="{28A0092B-C50C-407E-A947-70E740481C1C}">
+                <a14:useLocalDpi xmlns:a14="http://schemas.microsoft.com/office/drawing/2010/main" val="0"/>
+              </a:ext>
+            </a:extLst>
+          </a:blip>
+          <a:stretch>
+            <a:fillRect/>
+          </a:stretch>
+        </p:blipFill>
+        <p:spPr>
+          <a:xfrm>
+            <a:off x="5499261" y="1584641"/>
+            <a:ext cx="1872709" cy="457875"/>
+          </a:xfrm>
+          <a:prstGeom prst="rect">
+            <a:avLst/>
+          </a:prstGeom>
+        </p:spPr>
+      </p:pic>
+      <p:pic>
+        <p:nvPicPr>
+          <p:cNvPr id="38" name="Grafik 37"/>
+          <p:cNvPicPr>
+            <a:picLocks noChangeAspect="1"/>
+          </p:cNvPicPr>
+          <p:nvPr/>
+        </p:nvPicPr>
+        <p:blipFill>
+          <a:blip r:embed="rId12">
+            <a:extLst>
+              <a:ext uri="{28A0092B-C50C-407E-A947-70E740481C1C}">
+                <a14:useLocalDpi xmlns:a14="http://schemas.microsoft.com/office/drawing/2010/main" val="0"/>
+              </a:ext>
+            </a:extLst>
+          </a:blip>
+          <a:stretch>
+            <a:fillRect/>
+          </a:stretch>
+        </p:blipFill>
+        <p:spPr>
+          <a:xfrm>
+            <a:off x="5500660" y="4007441"/>
+            <a:ext cx="1872709" cy="1144433"/>
+          </a:xfrm>
+          <a:prstGeom prst="rect">
+            <a:avLst/>
+          </a:prstGeom>
+        </p:spPr>
+      </p:pic>
+      <p:pic>
+        <p:nvPicPr>
+          <p:cNvPr id="39" name="Grafik 38"/>
+          <p:cNvPicPr>
+            <a:picLocks noChangeAspect="1"/>
+          </p:cNvPicPr>
+          <p:nvPr/>
+        </p:nvPicPr>
+        <p:blipFill>
+          <a:blip r:embed="rId13">
+            <a:extLst>
+              <a:ext uri="{28A0092B-C50C-407E-A947-70E740481C1C}">
+                <a14:useLocalDpi xmlns:a14="http://schemas.microsoft.com/office/drawing/2010/main" val="0"/>
+              </a:ext>
+            </a:extLst>
+          </a:blip>
+          <a:stretch>
+            <a:fillRect/>
+          </a:stretch>
+        </p:blipFill>
+        <p:spPr>
+          <a:xfrm>
+            <a:off x="3065113" y="5640533"/>
+            <a:ext cx="713925" cy="819573"/>
+          </a:xfrm>
+          <a:prstGeom prst="rect">
+            <a:avLst/>
+          </a:prstGeom>
+        </p:spPr>
+      </p:pic>
+      <p:pic>
+        <p:nvPicPr>
+          <p:cNvPr id="41" name="Grafik 40"/>
+          <p:cNvPicPr>
+            <a:picLocks noChangeAspect="1"/>
+          </p:cNvPicPr>
+          <p:nvPr/>
+        </p:nvPicPr>
+        <p:blipFill>
+          <a:blip r:embed="rId14">
+            <a:extLst>
+              <a:ext uri="{28A0092B-C50C-407E-A947-70E740481C1C}">
+                <a14:useLocalDpi xmlns:a14="http://schemas.microsoft.com/office/drawing/2010/main" val="0"/>
+              </a:ext>
+            </a:extLst>
+          </a:blip>
+          <a:stretch>
+            <a:fillRect/>
+          </a:stretch>
+        </p:blipFill>
+        <p:spPr>
+          <a:xfrm>
+            <a:off x="3779039" y="5640534"/>
+            <a:ext cx="1704710" cy="819572"/>
+          </a:xfrm>
+          <a:prstGeom prst="rect">
+            <a:avLst/>
+          </a:prstGeom>
+        </p:spPr>
+      </p:pic>
+      <p:pic>
+        <p:nvPicPr>
+          <p:cNvPr id="42" name="Grafik 41"/>
+          <p:cNvPicPr>
+            <a:picLocks noChangeAspect="1"/>
+          </p:cNvPicPr>
+          <p:nvPr/>
+        </p:nvPicPr>
+        <p:blipFill>
+          <a:blip r:embed="rId15">
+            <a:extLst>
+              <a:ext uri="{28A0092B-C50C-407E-A947-70E740481C1C}">
+                <a14:useLocalDpi xmlns:a14="http://schemas.microsoft.com/office/drawing/2010/main" val="0"/>
+              </a:ext>
+            </a:extLst>
+          </a:blip>
+          <a:stretch>
+            <a:fillRect/>
+          </a:stretch>
+        </p:blipFill>
+        <p:spPr>
+          <a:xfrm>
+            <a:off x="6535711" y="5757876"/>
+            <a:ext cx="769439" cy="576478"/>
+          </a:xfrm>
+          <a:prstGeom prst="rect">
+            <a:avLst/>
+          </a:prstGeom>
+        </p:spPr>
+      </p:pic>
+      <p:cxnSp>
+        <p:nvCxnSpPr>
+          <p:cNvPr id="43" name="Gerade Verbindung mit Pfeil 42"/>
+          <p:cNvCxnSpPr>
+            <a:stCxn id="42" idx="0"/>
+          </p:cNvCxnSpPr>
+          <p:nvPr/>
+        </p:nvCxnSpPr>
+        <p:spPr>
+          <a:xfrm flipH="1" flipV="1">
+            <a:off x="6903216" y="5151874"/>
+            <a:ext cx="17215" cy="606002"/>
+          </a:xfrm>
+          <a:prstGeom prst="straightConnector1">
+            <a:avLst/>
+          </a:prstGeom>
+          <a:ln w="15875">
+            <a:solidFill>
+              <a:schemeClr val="tx1"/>
+            </a:solidFill>
+            <a:tailEnd type="triangle" w="lg" len="lg"/>
+          </a:ln>
+        </p:spPr>
+        <p:style>
+          <a:lnRef idx="1">
+            <a:schemeClr val="accent1"/>
+          </a:lnRef>
+          <a:fillRef idx="0">
+            <a:schemeClr val="accent1"/>
+          </a:fillRef>
+          <a:effectRef idx="0">
+            <a:schemeClr val="accent1"/>
+          </a:effectRef>
+          <a:fontRef idx="minor">
+            <a:schemeClr val="tx1"/>
+          </a:fontRef>
+        </p:style>
+      </p:cxnSp>
+      <p:cxnSp>
+        <p:nvCxnSpPr>
+          <p:cNvPr id="46" name="Gerade Verbindung mit Pfeil 45"/>
+          <p:cNvCxnSpPr>
+            <a:stCxn id="41" idx="3"/>
+            <a:endCxn id="42" idx="1"/>
+          </p:cNvCxnSpPr>
+          <p:nvPr/>
+        </p:nvCxnSpPr>
+        <p:spPr>
+          <a:xfrm flipV="1">
+            <a:off x="5483749" y="6046115"/>
+            <a:ext cx="1051962" cy="4205"/>
+          </a:xfrm>
+          <a:prstGeom prst="straightConnector1">
+            <a:avLst/>
+          </a:prstGeom>
+          <a:ln w="15875">
+            <a:solidFill>
+              <a:schemeClr val="tx1"/>
+            </a:solidFill>
+            <a:tailEnd type="triangle" w="lg" len="lg"/>
+          </a:ln>
+        </p:spPr>
+        <p:style>
+          <a:lnRef idx="1">
+            <a:schemeClr val="accent1"/>
+          </a:lnRef>
+          <a:fillRef idx="0">
+            <a:schemeClr val="accent1"/>
+          </a:fillRef>
+          <a:effectRef idx="0">
+            <a:schemeClr val="accent1"/>
+          </a:effectRef>
+          <a:fontRef idx="minor">
+            <a:schemeClr val="tx1"/>
+          </a:fontRef>
+        </p:style>
+      </p:cxnSp>
+      <p:cxnSp>
+        <p:nvCxnSpPr>
+          <p:cNvPr id="50" name="Gerade Verbindung mit Pfeil 49"/>
+          <p:cNvCxnSpPr>
+            <a:stCxn id="12" idx="2"/>
+          </p:cNvCxnSpPr>
+          <p:nvPr/>
+        </p:nvCxnSpPr>
+        <p:spPr>
+          <a:xfrm>
+            <a:off x="3391869" y="3318122"/>
+            <a:ext cx="868632" cy="2242021"/>
+          </a:xfrm>
+          <a:prstGeom prst="straightConnector1">
+            <a:avLst/>
+          </a:prstGeom>
+          <a:ln w="15875">
+            <a:solidFill>
+              <a:schemeClr val="tx1"/>
+            </a:solidFill>
+            <a:tailEnd type="triangle" w="lg" len="lg"/>
+          </a:ln>
+        </p:spPr>
+        <p:style>
+          <a:lnRef idx="1">
+            <a:schemeClr val="accent1"/>
+          </a:lnRef>
+          <a:fillRef idx="0">
+            <a:schemeClr val="accent1"/>
+          </a:fillRef>
+          <a:effectRef idx="0">
+            <a:schemeClr val="accent1"/>
+          </a:effectRef>
+          <a:fontRef idx="minor">
+            <a:schemeClr val="tx1"/>
+          </a:fontRef>
+        </p:style>
+      </p:cxnSp>
+      <p:cxnSp>
+        <p:nvCxnSpPr>
+          <p:cNvPr id="58" name="Gerade Verbindung mit Pfeil 57"/>
+          <p:cNvCxnSpPr>
+            <a:stCxn id="12" idx="3"/>
+          </p:cNvCxnSpPr>
+          <p:nvPr/>
+        </p:nvCxnSpPr>
+        <p:spPr>
+          <a:xfrm flipV="1">
+            <a:off x="3839947" y="2870042"/>
+            <a:ext cx="1449534" cy="2"/>
+          </a:xfrm>
+          <a:prstGeom prst="straightConnector1">
+            <a:avLst/>
+          </a:prstGeom>
+          <a:ln w="15875">
+            <a:solidFill>
+              <a:schemeClr val="tx1"/>
+            </a:solidFill>
+            <a:tailEnd type="triangle" w="lg" len="lg"/>
+          </a:ln>
+        </p:spPr>
+        <p:style>
+          <a:lnRef idx="1">
+            <a:schemeClr val="accent1"/>
+          </a:lnRef>
+          <a:fillRef idx="0">
+            <a:schemeClr val="accent1"/>
+          </a:fillRef>
+          <a:effectRef idx="0">
+            <a:schemeClr val="accent1"/>
+          </a:effectRef>
+          <a:fontRef idx="minor">
+            <a:schemeClr val="tx1"/>
+          </a:fontRef>
+        </p:style>
+      </p:cxnSp>
+      <p:cxnSp>
+        <p:nvCxnSpPr>
+          <p:cNvPr id="61" name="Gerade Verbindung mit Pfeil 60"/>
+          <p:cNvCxnSpPr>
+            <a:stCxn id="11" idx="3"/>
+          </p:cNvCxnSpPr>
+          <p:nvPr/>
+        </p:nvCxnSpPr>
+        <p:spPr>
+          <a:xfrm flipV="1">
+            <a:off x="2331992" y="2156767"/>
+            <a:ext cx="2957489" cy="5317"/>
+          </a:xfrm>
+          <a:prstGeom prst="straightConnector1">
+            <a:avLst/>
+          </a:prstGeom>
+          <a:ln w="15875">
+            <a:solidFill>
+              <a:schemeClr val="tx1"/>
+            </a:solidFill>
+            <a:tailEnd type="triangle" w="lg" len="lg"/>
+          </a:ln>
+        </p:spPr>
+        <p:style>
+          <a:lnRef idx="1">
+            <a:schemeClr val="accent1"/>
+          </a:lnRef>
+          <a:fillRef idx="0">
+            <a:schemeClr val="accent1"/>
+          </a:fillRef>
+          <a:effectRef idx="0">
+            <a:schemeClr val="accent1"/>
+          </a:effectRef>
+          <a:fontRef idx="minor">
+            <a:schemeClr val="tx1"/>
+          </a:fontRef>
+        </p:style>
+      </p:cxnSp>
+      <p:cxnSp>
+        <p:nvCxnSpPr>
+          <p:cNvPr id="66" name="Gerade Verbindung mit Pfeil 65"/>
+          <p:cNvCxnSpPr>
+            <a:stCxn id="6" idx="1"/>
+          </p:cNvCxnSpPr>
+          <p:nvPr/>
+        </p:nvCxnSpPr>
+        <p:spPr>
+          <a:xfrm flipH="1" flipV="1">
+            <a:off x="7590553" y="4738937"/>
+            <a:ext cx="892764" cy="1"/>
+          </a:xfrm>
+          <a:prstGeom prst="straightConnector1">
+            <a:avLst/>
+          </a:prstGeom>
+          <a:ln w="15875">
+            <a:solidFill>
+              <a:schemeClr val="tx1"/>
+            </a:solidFill>
+            <a:tailEnd type="triangle" w="lg" len="lg"/>
+          </a:ln>
+        </p:spPr>
+        <p:style>
+          <a:lnRef idx="1">
+            <a:schemeClr val="accent1"/>
+          </a:lnRef>
+          <a:fillRef idx="0">
+            <a:schemeClr val="accent1"/>
+          </a:fillRef>
+          <a:effectRef idx="0">
+            <a:schemeClr val="accent1"/>
+          </a:effectRef>
+          <a:fontRef idx="minor">
+            <a:schemeClr val="tx1"/>
+          </a:fontRef>
+        </p:style>
+      </p:cxnSp>
+      <p:sp>
+        <p:nvSpPr>
+          <p:cNvPr id="70" name="Textfeld 69"/>
+          <p:cNvSpPr txBox="1"/>
+          <p:nvPr/>
+        </p:nvSpPr>
+        <p:spPr>
+          <a:xfrm>
+            <a:off x="5289481" y="1163018"/>
+            <a:ext cx="2324675" cy="369332"/>
+          </a:xfrm>
+          <a:prstGeom prst="rect">
+            <a:avLst/>
+          </a:prstGeom>
+          <a:noFill/>
+        </p:spPr>
+        <p:txBody>
+          <a:bodyPr wrap="none" rtlCol="0">
+            <a:spAutoFit/>
+          </a:bodyPr>
+          <a:lstStyle/>
+          <a:p>
+            <a:pPr algn="ctr"/>
+            <a:r>
+              <a:rPr lang="de-DE" dirty="0" smtClean="0"/>
+              <a:t>DOM-manipulation</a:t>
+            </a:r>
+            <a:endParaRPr lang="de-DE" dirty="0"/>
+          </a:p>
+        </p:txBody>
+      </p:sp>
+      <p:sp>
+        <p:nvSpPr>
+          <p:cNvPr id="71" name="Textfeld 70"/>
+          <p:cNvSpPr txBox="1"/>
+          <p:nvPr/>
+        </p:nvSpPr>
+        <p:spPr>
+          <a:xfrm>
+            <a:off x="5287361" y="3053309"/>
+            <a:ext cx="2303192" cy="369332"/>
+          </a:xfrm>
+          <a:prstGeom prst="rect">
+            <a:avLst/>
+          </a:prstGeom>
+          <a:noFill/>
+        </p:spPr>
+        <p:txBody>
+          <a:bodyPr wrap="square" rtlCol="0">
+            <a:spAutoFit/>
+          </a:bodyPr>
+          <a:lstStyle/>
+          <a:p>
+            <a:pPr algn="ctr"/>
+            <a:r>
+              <a:rPr lang="de-DE" dirty="0" smtClean="0"/>
+              <a:t>Styling</a:t>
+            </a:r>
+            <a:endParaRPr lang="de-DE" dirty="0"/>
+          </a:p>
+        </p:txBody>
+      </p:sp>
+      <p:sp>
+        <p:nvSpPr>
+          <p:cNvPr id="73" name="Textfeld 72"/>
+          <p:cNvSpPr txBox="1"/>
+          <p:nvPr/>
+        </p:nvSpPr>
+        <p:spPr>
+          <a:xfrm>
+            <a:off x="4631394" y="6451606"/>
+            <a:ext cx="2303192" cy="369332"/>
+          </a:xfrm>
+          <a:prstGeom prst="rect">
+            <a:avLst/>
+          </a:prstGeom>
+          <a:noFill/>
+        </p:spPr>
+        <p:txBody>
+          <a:bodyPr wrap="square" rtlCol="0">
+            <a:spAutoFit/>
+          </a:bodyPr>
+          <a:lstStyle/>
+          <a:p>
+            <a:pPr algn="ctr"/>
+            <a:r>
+              <a:rPr lang="de-DE" dirty="0" smtClean="0"/>
+              <a:t>CSS </a:t>
+            </a:r>
+            <a:r>
+              <a:rPr lang="de-DE" dirty="0" err="1" smtClean="0"/>
+              <a:t>compiling</a:t>
+            </a:r>
+            <a:endParaRPr lang="de-DE" dirty="0"/>
+          </a:p>
+        </p:txBody>
+      </p:sp>
+      <p:sp>
+        <p:nvSpPr>
+          <p:cNvPr id="75" name="Textfeld 74"/>
+          <p:cNvSpPr txBox="1"/>
+          <p:nvPr/>
+        </p:nvSpPr>
+        <p:spPr>
+          <a:xfrm>
+            <a:off x="1000697" y="1328323"/>
+            <a:ext cx="1968809" cy="369332"/>
+          </a:xfrm>
+          <a:prstGeom prst="rect">
+            <a:avLst/>
+          </a:prstGeom>
+          <a:noFill/>
+        </p:spPr>
+        <p:txBody>
+          <a:bodyPr wrap="none" rtlCol="0">
+            <a:spAutoFit/>
+          </a:bodyPr>
+          <a:lstStyle/>
+          <a:p>
+            <a:pPr algn="ctr"/>
+            <a:r>
+              <a:rPr lang="de-DE" dirty="0" err="1" smtClean="0"/>
+              <a:t>Buildumgebung</a:t>
+            </a:r>
+            <a:endParaRPr lang="de-DE" dirty="0"/>
+          </a:p>
+        </p:txBody>
+      </p:sp>
+      <p:grpSp>
+        <p:nvGrpSpPr>
+          <p:cNvPr id="79" name="Gruppieren 78"/>
+          <p:cNvGrpSpPr/>
+          <p:nvPr/>
+        </p:nvGrpSpPr>
+        <p:grpSpPr>
+          <a:xfrm>
+            <a:off x="8615851" y="1845898"/>
+            <a:ext cx="2481943" cy="647698"/>
+            <a:chOff x="8400422" y="1975439"/>
+            <a:chExt cx="2481943" cy="647698"/>
+          </a:xfrm>
+          <a:effectLst>
+            <a:outerShdw blurRad="50800" dist="38100" dir="2700000" algn="tl" rotWithShape="0">
+              <a:prstClr val="black">
+                <a:alpha val="40000"/>
+              </a:prstClr>
+            </a:outerShdw>
+          </a:effectLst>
+        </p:grpSpPr>
+        <p:sp>
+          <p:nvSpPr>
+            <p:cNvPr id="78" name="Rechteck 77"/>
+            <p:cNvSpPr/>
+            <p:nvPr/>
+          </p:nvSpPr>
+          <p:spPr>
+            <a:xfrm>
+              <a:off x="8400422" y="1975439"/>
+              <a:ext cx="2481943" cy="597458"/>
+            </a:xfrm>
+            <a:prstGeom prst="rect">
+              <a:avLst/>
+            </a:prstGeom>
+            <a:solidFill>
+              <a:schemeClr val="tx1"/>
+            </a:solidFill>
+            <a:ln>
+              <a:noFill/>
+            </a:ln>
+          </p:spPr>
+          <p:style>
+            <a:lnRef idx="2">
+              <a:schemeClr val="accent1">
+                <a:shade val="50000"/>
+              </a:schemeClr>
+            </a:lnRef>
+            <a:fillRef idx="1">
+              <a:schemeClr val="accent1"/>
+            </a:fillRef>
+            <a:effectRef idx="0">
+              <a:schemeClr val="accent1"/>
+            </a:effectRef>
+            <a:fontRef idx="minor">
+              <a:schemeClr val="lt1"/>
+            </a:fontRef>
+          </p:style>
+          <p:txBody>
+            <a:bodyPr rtlCol="0" anchor="ctr"/>
+            <a:lstStyle/>
+            <a:p>
+              <a:pPr algn="ctr"/>
+              <a:endParaRPr lang="de-DE"/>
+            </a:p>
+          </p:txBody>
+        </p:sp>
+        <p:pic>
+          <p:nvPicPr>
+            <p:cNvPr id="76" name="Grafik 75"/>
+            <p:cNvPicPr>
+              <a:picLocks noChangeAspect="1"/>
+            </p:cNvPicPr>
+            <p:nvPr/>
+          </p:nvPicPr>
+          <p:blipFill>
+            <a:blip r:embed="rId16">
+              <a:extLst>
+                <a:ext uri="{28A0092B-C50C-407E-A947-70E740481C1C}">
+                  <a14:useLocalDpi xmlns:a14="http://schemas.microsoft.com/office/drawing/2010/main" val="0"/>
+                </a:ext>
+              </a:extLst>
+            </a:blip>
+            <a:stretch>
+              <a:fillRect/>
+            </a:stretch>
+          </p:blipFill>
+          <p:spPr>
+            <a:xfrm>
+              <a:off x="8483317" y="2025679"/>
+              <a:ext cx="478134" cy="478134"/>
+            </a:xfrm>
+            <a:prstGeom prst="rect">
+              <a:avLst/>
+            </a:prstGeom>
+          </p:spPr>
+        </p:pic>
+        <p:pic>
+          <p:nvPicPr>
+            <p:cNvPr id="77" name="Grafik 76"/>
+            <p:cNvPicPr>
+              <a:picLocks noChangeAspect="1"/>
+            </p:cNvPicPr>
+            <p:nvPr/>
+          </p:nvPicPr>
+          <p:blipFill>
+            <a:blip r:embed="rId17">
+              <a:extLst>
+                <a:ext uri="{28A0092B-C50C-407E-A947-70E740481C1C}">
+                  <a14:useLocalDpi xmlns:a14="http://schemas.microsoft.com/office/drawing/2010/main" val="0"/>
+                </a:ext>
+              </a:extLst>
+            </a:blip>
+            <a:stretch>
+              <a:fillRect/>
+            </a:stretch>
+          </p:blipFill>
+          <p:spPr>
+            <a:xfrm>
+              <a:off x="9097974" y="2025679"/>
+              <a:ext cx="1669753" cy="597458"/>
+            </a:xfrm>
+            <a:prstGeom prst="rect">
+              <a:avLst/>
+            </a:prstGeom>
+          </p:spPr>
+        </p:pic>
+      </p:grpSp>
+      <p:pic>
+        <p:nvPicPr>
+          <p:cNvPr id="80" name="Grafik 79"/>
+          <p:cNvPicPr>
+            <a:picLocks noChangeAspect="1"/>
+          </p:cNvPicPr>
+          <p:nvPr/>
+        </p:nvPicPr>
+        <p:blipFill>
+          <a:blip r:embed="rId18">
+            <a:extLst>
+              <a:ext uri="{28A0092B-C50C-407E-A947-70E740481C1C}">
+                <a14:useLocalDpi xmlns:a14="http://schemas.microsoft.com/office/drawing/2010/main" val="0"/>
+              </a:ext>
+            </a:extLst>
+          </a:blip>
+          <a:stretch>
+            <a:fillRect/>
+          </a:stretch>
+        </p:blipFill>
+        <p:spPr>
+          <a:xfrm>
+            <a:off x="8632565" y="2541950"/>
+            <a:ext cx="2465229" cy="783782"/>
+          </a:xfrm>
+          <a:prstGeom prst="rect">
+            <a:avLst/>
+          </a:prstGeom>
+          <a:solidFill>
+            <a:schemeClr val="tx1"/>
+          </a:solidFill>
+          <a:effectLst>
+            <a:outerShdw blurRad="50800" dist="38100" dir="2700000" algn="tl" rotWithShape="0">
+              <a:prstClr val="black">
+                <a:alpha val="40000"/>
+              </a:prstClr>
+            </a:outerShdw>
+          </a:effectLst>
+        </p:spPr>
+      </p:pic>
+    </p:spTree>
+    <p:extLst>
+      <p:ext uri="{BB962C8B-B14F-4D97-AF65-F5344CB8AC3E}">
+        <p14:creationId xmlns:p14="http://schemas.microsoft.com/office/powerpoint/2010/main" val="1421850581"/>
+      </p:ext>
+    </p:extLst>
+  </p:cSld>
+  <p:clrMapOvr>
+    <a:masterClrMapping/>
+  </p:clrMapOvr>
 </p:sld>
 </file>
 
